--- a/science/Cube.pptx
+++ b/science/Cube.pptx
@@ -5,7 +5,7 @@
     <p:sldMasterId id="2147483648" r:id="rId1"/>
   </p:sldMasterIdLst>
   <p:notesMasterIdLst>
-    <p:notesMasterId r:id="rId20"/>
+    <p:notesMasterId r:id="rId21"/>
   </p:notesMasterIdLst>
   <p:sldIdLst>
     <p:sldId id="268" r:id="rId2"/>
@@ -26,6 +26,7 @@
     <p:sldId id="279" r:id="rId17"/>
     <p:sldId id="280" r:id="rId18"/>
     <p:sldId id="281" r:id="rId19"/>
+    <p:sldId id="282" r:id="rId20"/>
   </p:sldIdLst>
   <p:sldSz cx="12192000" cy="6858000"/>
   <p:notesSz cx="6858000" cy="9144000"/>
@@ -226,7 +227,7 @@
           <a:p>
             <a:fld id="{B3D76E30-4BED-214E-B204-64C8F96DD19D}" type="datetimeFigureOut">
               <a:rPr lang="en-US" smtClean="0"/>
-              <a:t>5/11/20</a:t>
+              <a:t>11/9/22</a:t>
             </a:fld>
             <a:endParaRPr lang="en-US"/>
           </a:p>
@@ -640,7 +641,7 @@
           <a:p>
             <a:fld id="{8BC7195B-79CB-A440-A967-4F5F4E7BD04A}" type="datetime1">
               <a:rPr lang="en-US" smtClean="0"/>
-              <a:t>5/11/20</a:t>
+              <a:t>11/9/22</a:t>
             </a:fld>
             <a:endParaRPr lang="en-US"/>
           </a:p>
@@ -838,7 +839,7 @@
           <a:p>
             <a:fld id="{D6ADC2A2-0B52-B948-9965-693EED835884}" type="datetime1">
               <a:rPr lang="en-US" smtClean="0"/>
-              <a:t>5/11/20</a:t>
+              <a:t>11/9/22</a:t>
             </a:fld>
             <a:endParaRPr lang="en-US"/>
           </a:p>
@@ -1046,7 +1047,7 @@
           <a:p>
             <a:fld id="{7C767CFB-ED3E-244A-9D4C-213DEB71B89A}" type="datetime1">
               <a:rPr lang="en-US" smtClean="0"/>
-              <a:t>5/11/20</a:t>
+              <a:t>11/9/22</a:t>
             </a:fld>
             <a:endParaRPr lang="en-US"/>
           </a:p>
@@ -1244,7 +1245,7 @@
           <a:p>
             <a:fld id="{D77664E3-54C7-A94B-83E8-BFFF6E5A12E6}" type="datetime1">
               <a:rPr lang="en-US" smtClean="0"/>
-              <a:t>5/11/20</a:t>
+              <a:t>11/9/22</a:t>
             </a:fld>
             <a:endParaRPr lang="en-US"/>
           </a:p>
@@ -1519,7 +1520,7 @@
           <a:p>
             <a:fld id="{84271938-1E7F-2D4A-97D2-725CCAB8CB95}" type="datetime1">
               <a:rPr lang="en-US" smtClean="0"/>
-              <a:t>5/11/20</a:t>
+              <a:t>11/9/22</a:t>
             </a:fld>
             <a:endParaRPr lang="en-US"/>
           </a:p>
@@ -1784,7 +1785,7 @@
           <a:p>
             <a:fld id="{FC61A9D5-AE83-8441-A03F-62D4494074E4}" type="datetime1">
               <a:rPr lang="en-US" smtClean="0"/>
-              <a:t>5/11/20</a:t>
+              <a:t>11/9/22</a:t>
             </a:fld>
             <a:endParaRPr lang="en-US"/>
           </a:p>
@@ -2196,7 +2197,7 @@
           <a:p>
             <a:fld id="{378958E2-0587-AA47-9A57-85F5D07D4EBB}" type="datetime1">
               <a:rPr lang="en-US" smtClean="0"/>
-              <a:t>5/11/20</a:t>
+              <a:t>11/9/22</a:t>
             </a:fld>
             <a:endParaRPr lang="en-US"/>
           </a:p>
@@ -2337,7 +2338,7 @@
           <a:p>
             <a:fld id="{26931619-0ABF-684F-A071-BD625CD068B2}" type="datetime1">
               <a:rPr lang="en-US" smtClean="0"/>
-              <a:t>5/11/20</a:t>
+              <a:t>11/9/22</a:t>
             </a:fld>
             <a:endParaRPr lang="en-US"/>
           </a:p>
@@ -2450,7 +2451,7 @@
           <a:p>
             <a:fld id="{C9D713D8-4677-9143-B5B9-99FC32431897}" type="datetime1">
               <a:rPr lang="en-US" smtClean="0"/>
-              <a:t>5/11/20</a:t>
+              <a:t>11/9/22</a:t>
             </a:fld>
             <a:endParaRPr lang="en-US"/>
           </a:p>
@@ -2761,7 +2762,7 @@
           <a:p>
             <a:fld id="{E9441D70-73EA-B345-94F7-E0D06BF9EE09}" type="datetime1">
               <a:rPr lang="en-US" smtClean="0"/>
-              <a:t>5/11/20</a:t>
+              <a:t>11/9/22</a:t>
             </a:fld>
             <a:endParaRPr lang="en-US"/>
           </a:p>
@@ -3049,7 +3050,7 @@
           <a:p>
             <a:fld id="{DE95C40B-3628-CA42-BD4C-7CAC456555F9}" type="datetime1">
               <a:rPr lang="en-US" smtClean="0"/>
-              <a:t>5/11/20</a:t>
+              <a:t>11/9/22</a:t>
             </a:fld>
             <a:endParaRPr lang="en-US"/>
           </a:p>
@@ -3290,7 +3291,7 @@
           <a:p>
             <a:fld id="{260F9588-AC14-104B-AA5B-30DDB522F317}" type="datetime1">
               <a:rPr lang="en-US" smtClean="0"/>
-              <a:t>5/11/20</a:t>
+              <a:t>11/9/22</a:t>
             </a:fld>
             <a:endParaRPr lang="en-US"/>
           </a:p>
@@ -11245,6 +11246,1211 @@
 </p:sld>
 </file>
 
+<file path=ppt/slides/slide19.xml><?xml version="1.0" encoding="utf-8"?>
+<p:sld xmlns:a="http://schemas.openxmlformats.org/drawingml/2006/main" xmlns:r="http://schemas.openxmlformats.org/officeDocument/2006/relationships" xmlns:p="http://schemas.openxmlformats.org/presentationml/2006/main">
+  <p:cSld>
+    <p:spTree>
+      <p:nvGrpSpPr>
+        <p:cNvPr id="1" name=""/>
+        <p:cNvGrpSpPr/>
+        <p:nvPr/>
+      </p:nvGrpSpPr>
+      <p:grpSpPr>
+        <a:xfrm>
+          <a:off x="0" y="0"/>
+          <a:ext cx="0" cy="0"/>
+          <a:chOff x="0" y="0"/>
+          <a:chExt cx="0" cy="0"/>
+        </a:xfrm>
+      </p:grpSpPr>
+      <p:sp>
+        <p:nvSpPr>
+          <p:cNvPr id="2" name="Title 1">
+            <a:extLst>
+              <a:ext uri="{FF2B5EF4-FFF2-40B4-BE49-F238E27FC236}">
+                <a16:creationId xmlns:a16="http://schemas.microsoft.com/office/drawing/2014/main" id="{82E4F19D-146F-8143-ABAC-5BD644EEE6F7}"/>
+              </a:ext>
+            </a:extLst>
+          </p:cNvPr>
+          <p:cNvSpPr>
+            <a:spLocks noGrp="1"/>
+          </p:cNvSpPr>
+          <p:nvPr>
+            <p:ph type="title"/>
+          </p:nvPr>
+        </p:nvSpPr>
+        <p:spPr>
+          <a:xfrm>
+            <a:off x="228600" y="93763"/>
+            <a:ext cx="11694226" cy="1118539"/>
+          </a:xfrm>
+        </p:spPr>
+        <p:txBody>
+          <a:bodyPr/>
+          <a:lstStyle/>
+          <a:p>
+            <a:pPr algn="ctr"/>
+            <a:r>
+              <a:rPr lang="en-US" dirty="0"/>
+              <a:t>Cube</a:t>
+            </a:r>
+          </a:p>
+        </p:txBody>
+      </p:sp>
+      <p:sp>
+        <p:nvSpPr>
+          <p:cNvPr id="4" name="Rectangle 3">
+            <a:extLst>
+              <a:ext uri="{FF2B5EF4-FFF2-40B4-BE49-F238E27FC236}">
+                <a16:creationId xmlns:a16="http://schemas.microsoft.com/office/drawing/2014/main" id="{57144154-4EF5-DB40-B144-F125659BF2FC}"/>
+              </a:ext>
+            </a:extLst>
+          </p:cNvPr>
+          <p:cNvSpPr/>
+          <p:nvPr/>
+        </p:nvSpPr>
+        <p:spPr>
+          <a:xfrm>
+            <a:off x="9156671" y="2617486"/>
+            <a:ext cx="2194560" cy="2194560"/>
+          </a:xfrm>
+          <a:prstGeom prst="rect">
+            <a:avLst/>
+          </a:prstGeom>
+          <a:noFill/>
+          <a:ln w="25400">
+            <a:solidFill>
+              <a:schemeClr val="tx1"/>
+            </a:solidFill>
+          </a:ln>
+        </p:spPr>
+        <p:style>
+          <a:lnRef idx="2">
+            <a:schemeClr val="accent1">
+              <a:shade val="50000"/>
+            </a:schemeClr>
+          </a:lnRef>
+          <a:fillRef idx="1">
+            <a:schemeClr val="accent1"/>
+          </a:fillRef>
+          <a:effectRef idx="0">
+            <a:schemeClr val="accent1"/>
+          </a:effectRef>
+          <a:fontRef idx="minor">
+            <a:schemeClr val="lt1"/>
+          </a:fontRef>
+        </p:style>
+        <p:txBody>
+          <a:bodyPr rtlCol="0" anchor="ctr"/>
+          <a:lstStyle/>
+          <a:p>
+            <a:pPr algn="ctr"/>
+            <a:endParaRPr lang="en-US"/>
+          </a:p>
+        </p:txBody>
+      </p:sp>
+      <p:sp>
+        <p:nvSpPr>
+          <p:cNvPr id="5" name="Rectangle 4">
+            <a:extLst>
+              <a:ext uri="{FF2B5EF4-FFF2-40B4-BE49-F238E27FC236}">
+                <a16:creationId xmlns:a16="http://schemas.microsoft.com/office/drawing/2014/main" id="{4A859C21-8BBD-054E-9259-20EC0210007D}"/>
+              </a:ext>
+            </a:extLst>
+          </p:cNvPr>
+          <p:cNvSpPr/>
+          <p:nvPr/>
+        </p:nvSpPr>
+        <p:spPr>
+          <a:xfrm>
+            <a:off x="7818939" y="1364422"/>
+            <a:ext cx="2194560" cy="2194560"/>
+          </a:xfrm>
+          <a:prstGeom prst="rect">
+            <a:avLst/>
+          </a:prstGeom>
+          <a:solidFill>
+            <a:schemeClr val="accent1">
+              <a:lumMod val="60000"/>
+              <a:lumOff val="40000"/>
+              <a:alpha val="22000"/>
+            </a:schemeClr>
+          </a:solidFill>
+          <a:ln w="25400">
+            <a:solidFill>
+              <a:schemeClr val="tx1"/>
+            </a:solidFill>
+          </a:ln>
+        </p:spPr>
+        <p:style>
+          <a:lnRef idx="2">
+            <a:schemeClr val="accent1">
+              <a:shade val="50000"/>
+            </a:schemeClr>
+          </a:lnRef>
+          <a:fillRef idx="1">
+            <a:schemeClr val="accent1"/>
+          </a:fillRef>
+          <a:effectRef idx="0">
+            <a:schemeClr val="accent1"/>
+          </a:effectRef>
+          <a:fontRef idx="minor">
+            <a:schemeClr val="lt1"/>
+          </a:fontRef>
+        </p:style>
+        <p:txBody>
+          <a:bodyPr rtlCol="0" anchor="ctr"/>
+          <a:lstStyle/>
+          <a:p>
+            <a:pPr algn="ctr"/>
+            <a:endParaRPr lang="en-US"/>
+          </a:p>
+        </p:txBody>
+      </p:sp>
+      <p:cxnSp>
+        <p:nvCxnSpPr>
+          <p:cNvPr id="7" name="Straight Connector 6">
+            <a:extLst>
+              <a:ext uri="{FF2B5EF4-FFF2-40B4-BE49-F238E27FC236}">
+                <a16:creationId xmlns:a16="http://schemas.microsoft.com/office/drawing/2014/main" id="{E2BE56EA-2467-5449-A61B-2321CD539F15}"/>
+              </a:ext>
+            </a:extLst>
+          </p:cNvPr>
+          <p:cNvCxnSpPr>
+            <a:cxnSpLocks/>
+          </p:cNvCxnSpPr>
+          <p:nvPr/>
+        </p:nvCxnSpPr>
+        <p:spPr>
+          <a:xfrm>
+            <a:off x="10013499" y="3558982"/>
+            <a:ext cx="1337732" cy="1253064"/>
+          </a:xfrm>
+          <a:prstGeom prst="line">
+            <a:avLst/>
+          </a:prstGeom>
+          <a:ln w="25400">
+            <a:solidFill>
+              <a:schemeClr val="tx1"/>
+            </a:solidFill>
+          </a:ln>
+        </p:spPr>
+        <p:style>
+          <a:lnRef idx="1">
+            <a:schemeClr val="accent1"/>
+          </a:lnRef>
+          <a:fillRef idx="0">
+            <a:schemeClr val="accent1"/>
+          </a:fillRef>
+          <a:effectRef idx="0">
+            <a:schemeClr val="accent1"/>
+          </a:effectRef>
+          <a:fontRef idx="minor">
+            <a:schemeClr val="tx1"/>
+          </a:fontRef>
+        </p:style>
+      </p:cxnSp>
+      <p:cxnSp>
+        <p:nvCxnSpPr>
+          <p:cNvPr id="8" name="Straight Connector 7">
+            <a:extLst>
+              <a:ext uri="{FF2B5EF4-FFF2-40B4-BE49-F238E27FC236}">
+                <a16:creationId xmlns:a16="http://schemas.microsoft.com/office/drawing/2014/main" id="{7F4D0FF8-E28E-C548-9AF9-4964ED70B6AB}"/>
+              </a:ext>
+            </a:extLst>
+          </p:cNvPr>
+          <p:cNvCxnSpPr>
+            <a:cxnSpLocks/>
+          </p:cNvCxnSpPr>
+          <p:nvPr/>
+        </p:nvCxnSpPr>
+        <p:spPr>
+          <a:xfrm>
+            <a:off x="10013499" y="1364422"/>
+            <a:ext cx="1337732" cy="1236131"/>
+          </a:xfrm>
+          <a:prstGeom prst="line">
+            <a:avLst/>
+          </a:prstGeom>
+          <a:ln w="25400">
+            <a:solidFill>
+              <a:schemeClr val="tx1"/>
+            </a:solidFill>
+          </a:ln>
+        </p:spPr>
+        <p:style>
+          <a:lnRef idx="1">
+            <a:schemeClr val="accent1"/>
+          </a:lnRef>
+          <a:fillRef idx="0">
+            <a:schemeClr val="accent1"/>
+          </a:fillRef>
+          <a:effectRef idx="0">
+            <a:schemeClr val="accent1"/>
+          </a:effectRef>
+          <a:fontRef idx="minor">
+            <a:schemeClr val="tx1"/>
+          </a:fontRef>
+        </p:style>
+      </p:cxnSp>
+      <p:cxnSp>
+        <p:nvCxnSpPr>
+          <p:cNvPr id="9" name="Straight Connector 8">
+            <a:extLst>
+              <a:ext uri="{FF2B5EF4-FFF2-40B4-BE49-F238E27FC236}">
+                <a16:creationId xmlns:a16="http://schemas.microsoft.com/office/drawing/2014/main" id="{C15F130B-A770-174B-87DA-65E72C13C93C}"/>
+              </a:ext>
+            </a:extLst>
+          </p:cNvPr>
+          <p:cNvCxnSpPr>
+            <a:cxnSpLocks/>
+          </p:cNvCxnSpPr>
+          <p:nvPr/>
+        </p:nvCxnSpPr>
+        <p:spPr>
+          <a:xfrm>
+            <a:off x="7818939" y="3575915"/>
+            <a:ext cx="1337732" cy="1253064"/>
+          </a:xfrm>
+          <a:prstGeom prst="line">
+            <a:avLst/>
+          </a:prstGeom>
+          <a:ln w="25400">
+            <a:solidFill>
+              <a:schemeClr val="tx1"/>
+            </a:solidFill>
+          </a:ln>
+        </p:spPr>
+        <p:style>
+          <a:lnRef idx="1">
+            <a:schemeClr val="accent1"/>
+          </a:lnRef>
+          <a:fillRef idx="0">
+            <a:schemeClr val="accent1"/>
+          </a:fillRef>
+          <a:effectRef idx="0">
+            <a:schemeClr val="accent1"/>
+          </a:effectRef>
+          <a:fontRef idx="minor">
+            <a:schemeClr val="tx1"/>
+          </a:fontRef>
+        </p:style>
+      </p:cxnSp>
+      <p:cxnSp>
+        <p:nvCxnSpPr>
+          <p:cNvPr id="10" name="Straight Connector 9">
+            <a:extLst>
+              <a:ext uri="{FF2B5EF4-FFF2-40B4-BE49-F238E27FC236}">
+                <a16:creationId xmlns:a16="http://schemas.microsoft.com/office/drawing/2014/main" id="{C8ABA68B-E84A-BE41-9664-C077F4BFD815}"/>
+              </a:ext>
+            </a:extLst>
+          </p:cNvPr>
+          <p:cNvCxnSpPr>
+            <a:cxnSpLocks/>
+          </p:cNvCxnSpPr>
+          <p:nvPr/>
+        </p:nvCxnSpPr>
+        <p:spPr>
+          <a:xfrm>
+            <a:off x="7818939" y="1377392"/>
+            <a:ext cx="1337732" cy="1240094"/>
+          </a:xfrm>
+          <a:prstGeom prst="line">
+            <a:avLst/>
+          </a:prstGeom>
+          <a:ln w="25400">
+            <a:solidFill>
+              <a:schemeClr val="tx1"/>
+            </a:solidFill>
+          </a:ln>
+        </p:spPr>
+        <p:style>
+          <a:lnRef idx="1">
+            <a:schemeClr val="accent1"/>
+          </a:lnRef>
+          <a:fillRef idx="0">
+            <a:schemeClr val="accent1"/>
+          </a:fillRef>
+          <a:effectRef idx="0">
+            <a:schemeClr val="accent1"/>
+          </a:effectRef>
+          <a:fontRef idx="minor">
+            <a:schemeClr val="tx1"/>
+          </a:fontRef>
+        </p:style>
+      </p:cxnSp>
+      <p:sp>
+        <p:nvSpPr>
+          <p:cNvPr id="3" name="TextBox 2">
+            <a:extLst>
+              <a:ext uri="{FF2B5EF4-FFF2-40B4-BE49-F238E27FC236}">
+                <a16:creationId xmlns:a16="http://schemas.microsoft.com/office/drawing/2014/main" id="{59A71A9A-5C12-9044-827D-BA6F9D2B322B}"/>
+              </a:ext>
+            </a:extLst>
+          </p:cNvPr>
+          <p:cNvSpPr txBox="1"/>
+          <p:nvPr/>
+        </p:nvSpPr>
+        <p:spPr>
+          <a:xfrm>
+            <a:off x="269174" y="875681"/>
+            <a:ext cx="3766650" cy="461665"/>
+          </a:xfrm>
+          <a:prstGeom prst="rect">
+            <a:avLst/>
+          </a:prstGeom>
+          <a:noFill/>
+        </p:spPr>
+        <p:txBody>
+          <a:bodyPr wrap="square" rtlCol="0">
+            <a:spAutoFit/>
+          </a:bodyPr>
+          <a:lstStyle/>
+          <a:p>
+            <a:r>
+              <a:rPr lang="en-US" sz="2400" b="1" dirty="0"/>
+              <a:t>Group actions on vertices</a:t>
+            </a:r>
+          </a:p>
+        </p:txBody>
+      </p:sp>
+      <p:sp>
+        <p:nvSpPr>
+          <p:cNvPr id="20" name="TextBox 19">
+            <a:extLst>
+              <a:ext uri="{FF2B5EF4-FFF2-40B4-BE49-F238E27FC236}">
+                <a16:creationId xmlns:a16="http://schemas.microsoft.com/office/drawing/2014/main" id="{B925234A-2FB8-3D40-97FD-F853C21DA33E}"/>
+              </a:ext>
+            </a:extLst>
+          </p:cNvPr>
+          <p:cNvSpPr txBox="1"/>
+          <p:nvPr/>
+        </p:nvSpPr>
+        <p:spPr>
+          <a:xfrm>
+            <a:off x="474693" y="1752848"/>
+            <a:ext cx="2704257" cy="3558899"/>
+          </a:xfrm>
+          <a:prstGeom prst="rect">
+            <a:avLst/>
+          </a:prstGeom>
+          <a:noFill/>
+        </p:spPr>
+        <p:txBody>
+          <a:bodyPr wrap="square" rtlCol="0">
+            <a:noAutofit/>
+          </a:bodyPr>
+          <a:lstStyle/>
+          <a:p>
+            <a:pPr marL="342900" indent="-342900">
+              <a:buFont typeface="+mj-lt"/>
+              <a:buAutoNum type="arabicPeriod"/>
+            </a:pPr>
+            <a:r>
+              <a:rPr lang="en-US" dirty="0"/>
+              <a:t>(1)</a:t>
+            </a:r>
+          </a:p>
+          <a:p>
+            <a:pPr marL="342900" indent="-342900">
+              <a:buFont typeface="+mj-lt"/>
+              <a:buAutoNum type="arabicPeriod"/>
+            </a:pPr>
+            <a:r>
+              <a:rPr lang="en-US" dirty="0"/>
+              <a:t>(1234)(5678)</a:t>
+            </a:r>
+          </a:p>
+          <a:p>
+            <a:pPr marL="342900" indent="-342900">
+              <a:buFont typeface="+mj-lt"/>
+              <a:buAutoNum type="arabicPeriod"/>
+            </a:pPr>
+            <a:r>
+              <a:rPr lang="en-US" dirty="0"/>
+              <a:t>(1432)(5876)</a:t>
+            </a:r>
+          </a:p>
+          <a:p>
+            <a:pPr marL="342900" indent="-342900">
+              <a:buFont typeface="+mj-lt"/>
+              <a:buAutoNum type="arabicPeriod"/>
+            </a:pPr>
+            <a:r>
+              <a:rPr lang="en-US" dirty="0"/>
+              <a:t>(1562)(3487)</a:t>
+            </a:r>
+          </a:p>
+          <a:p>
+            <a:pPr marL="342900" indent="-342900">
+              <a:buFont typeface="+mj-lt"/>
+              <a:buAutoNum type="arabicPeriod"/>
+            </a:pPr>
+            <a:r>
+              <a:rPr lang="en-US" dirty="0"/>
+              <a:t>(1265)(4378)</a:t>
+            </a:r>
+          </a:p>
+          <a:p>
+            <a:pPr marL="342900" indent="-342900">
+              <a:buFont typeface="+mj-lt"/>
+              <a:buAutoNum type="arabicPeriod"/>
+            </a:pPr>
+            <a:r>
+              <a:rPr lang="en-US" dirty="0"/>
+              <a:t>(1485)(2376)</a:t>
+            </a:r>
+          </a:p>
+          <a:p>
+            <a:pPr marL="342900" indent="-342900">
+              <a:buFont typeface="+mj-lt"/>
+              <a:buAutoNum type="arabicPeriod"/>
+            </a:pPr>
+            <a:r>
+              <a:rPr lang="en-US" dirty="0"/>
+              <a:t>(1584)(2673)</a:t>
+            </a:r>
+          </a:p>
+          <a:p>
+            <a:pPr marL="342900" indent="-342900">
+              <a:buFont typeface="+mj-lt"/>
+              <a:buAutoNum type="arabicPeriod"/>
+            </a:pPr>
+            <a:r>
+              <a:rPr lang="en-US" dirty="0"/>
+              <a:t>(13)(24)(57)(68)</a:t>
+            </a:r>
+          </a:p>
+          <a:p>
+            <a:pPr marL="342900" indent="-342900">
+              <a:buFont typeface="+mj-lt"/>
+              <a:buAutoNum type="arabicPeriod"/>
+            </a:pPr>
+            <a:r>
+              <a:rPr lang="en-US" dirty="0"/>
+              <a:t>(16)(25)(38)(47)</a:t>
+            </a:r>
+          </a:p>
+          <a:p>
+            <a:pPr marL="342900" indent="-342900">
+              <a:buFont typeface="+mj-lt"/>
+              <a:buAutoNum type="arabicPeriod"/>
+            </a:pPr>
+            <a:r>
+              <a:rPr lang="en-US" dirty="0"/>
+              <a:t>(18)(45)(27)(36)</a:t>
+            </a:r>
+          </a:p>
+          <a:p>
+            <a:pPr marL="342900" indent="-342900">
+              <a:buFont typeface="+mj-lt"/>
+              <a:buAutoNum type="arabicPeriod"/>
+            </a:pPr>
+            <a:r>
+              <a:rPr lang="en-US" dirty="0"/>
+              <a:t>(17)(23)(46)(58)</a:t>
+            </a:r>
+          </a:p>
+          <a:p>
+            <a:pPr marL="342900" indent="-342900">
+              <a:buFont typeface="+mj-lt"/>
+              <a:buAutoNum type="arabicPeriod"/>
+            </a:pPr>
+            <a:r>
+              <a:rPr lang="en-US" dirty="0"/>
+              <a:t>(17)(48)(35)(26)</a:t>
+            </a:r>
+          </a:p>
+          <a:p>
+            <a:endParaRPr lang="en-US" dirty="0"/>
+          </a:p>
+          <a:p>
+            <a:endParaRPr lang="en-US" dirty="0"/>
+          </a:p>
+        </p:txBody>
+      </p:sp>
+      <p:sp>
+        <p:nvSpPr>
+          <p:cNvPr id="11" name="Slide Number Placeholder 10">
+            <a:extLst>
+              <a:ext uri="{FF2B5EF4-FFF2-40B4-BE49-F238E27FC236}">
+                <a16:creationId xmlns:a16="http://schemas.microsoft.com/office/drawing/2014/main" id="{4563FF95-727A-0A4E-A134-E0C7159A2882}"/>
+              </a:ext>
+            </a:extLst>
+          </p:cNvPr>
+          <p:cNvSpPr>
+            <a:spLocks noGrp="1"/>
+          </p:cNvSpPr>
+          <p:nvPr>
+            <p:ph type="sldNum" sz="quarter" idx="12"/>
+          </p:nvPr>
+        </p:nvSpPr>
+        <p:spPr/>
+        <p:txBody>
+          <a:bodyPr/>
+          <a:lstStyle/>
+          <a:p>
+            <a:fld id="{6BA45C8B-C249-5A4A-8003-01D120A6F929}" type="slidenum">
+              <a:rPr lang="en-US" smtClean="0"/>
+              <a:t>19</a:t>
+            </a:fld>
+            <a:endParaRPr lang="en-US"/>
+          </a:p>
+        </p:txBody>
+      </p:sp>
+      <p:sp>
+        <p:nvSpPr>
+          <p:cNvPr id="6" name="TextBox 5">
+            <a:extLst>
+              <a:ext uri="{FF2B5EF4-FFF2-40B4-BE49-F238E27FC236}">
+                <a16:creationId xmlns:a16="http://schemas.microsoft.com/office/drawing/2014/main" id="{508E462E-636B-3081-ACD4-55D1F5CAAB57}"/>
+              </a:ext>
+            </a:extLst>
+          </p:cNvPr>
+          <p:cNvSpPr txBox="1"/>
+          <p:nvPr/>
+        </p:nvSpPr>
+        <p:spPr>
+          <a:xfrm>
+            <a:off x="7406353" y="926875"/>
+            <a:ext cx="283779" cy="369332"/>
+          </a:xfrm>
+          <a:prstGeom prst="rect">
+            <a:avLst/>
+          </a:prstGeom>
+          <a:noFill/>
+        </p:spPr>
+        <p:txBody>
+          <a:bodyPr wrap="square" rtlCol="0">
+            <a:spAutoFit/>
+          </a:bodyPr>
+          <a:lstStyle/>
+          <a:p>
+            <a:r>
+              <a:rPr lang="en-US" dirty="0"/>
+              <a:t>1</a:t>
+            </a:r>
+          </a:p>
+        </p:txBody>
+      </p:sp>
+      <p:sp>
+        <p:nvSpPr>
+          <p:cNvPr id="12" name="TextBox 11">
+            <a:extLst>
+              <a:ext uri="{FF2B5EF4-FFF2-40B4-BE49-F238E27FC236}">
+                <a16:creationId xmlns:a16="http://schemas.microsoft.com/office/drawing/2014/main" id="{1C19433D-EDAB-5B76-C9C2-415435858B41}"/>
+              </a:ext>
+            </a:extLst>
+          </p:cNvPr>
+          <p:cNvSpPr txBox="1"/>
+          <p:nvPr/>
+        </p:nvSpPr>
+        <p:spPr>
+          <a:xfrm>
+            <a:off x="9871609" y="883815"/>
+            <a:ext cx="283779" cy="369332"/>
+          </a:xfrm>
+          <a:prstGeom prst="rect">
+            <a:avLst/>
+          </a:prstGeom>
+          <a:noFill/>
+        </p:spPr>
+        <p:txBody>
+          <a:bodyPr wrap="square" rtlCol="0">
+            <a:spAutoFit/>
+          </a:bodyPr>
+          <a:lstStyle/>
+          <a:p>
+            <a:r>
+              <a:rPr lang="en-US" dirty="0"/>
+              <a:t>2</a:t>
+            </a:r>
+          </a:p>
+        </p:txBody>
+      </p:sp>
+      <p:sp>
+        <p:nvSpPr>
+          <p:cNvPr id="13" name="TextBox 12">
+            <a:extLst>
+              <a:ext uri="{FF2B5EF4-FFF2-40B4-BE49-F238E27FC236}">
+                <a16:creationId xmlns:a16="http://schemas.microsoft.com/office/drawing/2014/main" id="{7CC6D3FA-3F22-FD31-EED0-8D76BA64EB0A}"/>
+              </a:ext>
+            </a:extLst>
+          </p:cNvPr>
+          <p:cNvSpPr txBox="1"/>
+          <p:nvPr/>
+        </p:nvSpPr>
+        <p:spPr>
+          <a:xfrm>
+            <a:off x="9156671" y="2231221"/>
+            <a:ext cx="283779" cy="369332"/>
+          </a:xfrm>
+          <a:prstGeom prst="rect">
+            <a:avLst/>
+          </a:prstGeom>
+          <a:noFill/>
+        </p:spPr>
+        <p:txBody>
+          <a:bodyPr wrap="square" rtlCol="0">
+            <a:spAutoFit/>
+          </a:bodyPr>
+          <a:lstStyle/>
+          <a:p>
+            <a:r>
+              <a:rPr lang="en-US" dirty="0"/>
+              <a:t>4</a:t>
+            </a:r>
+          </a:p>
+        </p:txBody>
+      </p:sp>
+      <p:sp>
+        <p:nvSpPr>
+          <p:cNvPr id="14" name="TextBox 13">
+            <a:extLst>
+              <a:ext uri="{FF2B5EF4-FFF2-40B4-BE49-F238E27FC236}">
+                <a16:creationId xmlns:a16="http://schemas.microsoft.com/office/drawing/2014/main" id="{314841E6-8925-0228-15D3-5E47C576C726}"/>
+              </a:ext>
+            </a:extLst>
+          </p:cNvPr>
+          <p:cNvSpPr txBox="1"/>
+          <p:nvPr/>
+        </p:nvSpPr>
+        <p:spPr>
+          <a:xfrm>
+            <a:off x="11132258" y="2067245"/>
+            <a:ext cx="283779" cy="369332"/>
+          </a:xfrm>
+          <a:prstGeom prst="rect">
+            <a:avLst/>
+          </a:prstGeom>
+          <a:noFill/>
+        </p:spPr>
+        <p:txBody>
+          <a:bodyPr wrap="square" rtlCol="0">
+            <a:spAutoFit/>
+          </a:bodyPr>
+          <a:lstStyle/>
+          <a:p>
+            <a:r>
+              <a:rPr lang="en-US" dirty="0"/>
+              <a:t>3</a:t>
+            </a:r>
+          </a:p>
+        </p:txBody>
+      </p:sp>
+      <p:sp>
+        <p:nvSpPr>
+          <p:cNvPr id="15" name="TextBox 14">
+            <a:extLst>
+              <a:ext uri="{FF2B5EF4-FFF2-40B4-BE49-F238E27FC236}">
+                <a16:creationId xmlns:a16="http://schemas.microsoft.com/office/drawing/2014/main" id="{A4467CD2-1E10-C840-3179-BC2EC69651CE}"/>
+              </a:ext>
+            </a:extLst>
+          </p:cNvPr>
+          <p:cNvSpPr txBox="1"/>
+          <p:nvPr/>
+        </p:nvSpPr>
+        <p:spPr>
+          <a:xfrm>
+            <a:off x="7422120" y="3486138"/>
+            <a:ext cx="283779" cy="369332"/>
+          </a:xfrm>
+          <a:prstGeom prst="rect">
+            <a:avLst/>
+          </a:prstGeom>
+          <a:noFill/>
+        </p:spPr>
+        <p:txBody>
+          <a:bodyPr wrap="square" rtlCol="0">
+            <a:spAutoFit/>
+          </a:bodyPr>
+          <a:lstStyle/>
+          <a:p>
+            <a:r>
+              <a:rPr lang="en-US" dirty="0"/>
+              <a:t>5</a:t>
+            </a:r>
+          </a:p>
+        </p:txBody>
+      </p:sp>
+      <p:sp>
+        <p:nvSpPr>
+          <p:cNvPr id="23" name="TextBox 22">
+            <a:extLst>
+              <a:ext uri="{FF2B5EF4-FFF2-40B4-BE49-F238E27FC236}">
+                <a16:creationId xmlns:a16="http://schemas.microsoft.com/office/drawing/2014/main" id="{FBA5CDEC-B61E-473E-DAA3-A3D4B7F3B325}"/>
+              </a:ext>
+            </a:extLst>
+          </p:cNvPr>
+          <p:cNvSpPr txBox="1"/>
+          <p:nvPr/>
+        </p:nvSpPr>
+        <p:spPr>
+          <a:xfrm>
+            <a:off x="9887377" y="3670257"/>
+            <a:ext cx="268012" cy="369332"/>
+          </a:xfrm>
+          <a:prstGeom prst="rect">
+            <a:avLst/>
+          </a:prstGeom>
+          <a:noFill/>
+        </p:spPr>
+        <p:txBody>
+          <a:bodyPr wrap="square" rtlCol="0">
+            <a:spAutoFit/>
+          </a:bodyPr>
+          <a:lstStyle/>
+          <a:p>
+            <a:r>
+              <a:rPr lang="en-US" dirty="0"/>
+              <a:t>6</a:t>
+            </a:r>
+          </a:p>
+        </p:txBody>
+      </p:sp>
+      <p:sp>
+        <p:nvSpPr>
+          <p:cNvPr id="24" name="TextBox 23">
+            <a:extLst>
+              <a:ext uri="{FF2B5EF4-FFF2-40B4-BE49-F238E27FC236}">
+                <a16:creationId xmlns:a16="http://schemas.microsoft.com/office/drawing/2014/main" id="{A84C90A7-EB36-B976-494E-90248F79FAFF}"/>
+              </a:ext>
+            </a:extLst>
+          </p:cNvPr>
+          <p:cNvSpPr txBox="1"/>
+          <p:nvPr/>
+        </p:nvSpPr>
+        <p:spPr>
+          <a:xfrm>
+            <a:off x="8794067" y="4843038"/>
+            <a:ext cx="283779" cy="369332"/>
+          </a:xfrm>
+          <a:prstGeom prst="rect">
+            <a:avLst/>
+          </a:prstGeom>
+          <a:noFill/>
+        </p:spPr>
+        <p:txBody>
+          <a:bodyPr wrap="square" rtlCol="0">
+            <a:spAutoFit/>
+          </a:bodyPr>
+          <a:lstStyle/>
+          <a:p>
+            <a:r>
+              <a:rPr lang="en-US" dirty="0"/>
+              <a:t>8</a:t>
+            </a:r>
+          </a:p>
+        </p:txBody>
+      </p:sp>
+      <p:sp>
+        <p:nvSpPr>
+          <p:cNvPr id="25" name="TextBox 24">
+            <a:extLst>
+              <a:ext uri="{FF2B5EF4-FFF2-40B4-BE49-F238E27FC236}">
+                <a16:creationId xmlns:a16="http://schemas.microsoft.com/office/drawing/2014/main" id="{ED13EF1E-32C0-E4B3-1DA7-26FFBDFB185F}"/>
+              </a:ext>
+            </a:extLst>
+          </p:cNvPr>
+          <p:cNvSpPr txBox="1"/>
+          <p:nvPr/>
+        </p:nvSpPr>
+        <p:spPr>
+          <a:xfrm>
+            <a:off x="11431803" y="4815696"/>
+            <a:ext cx="283779" cy="369332"/>
+          </a:xfrm>
+          <a:prstGeom prst="rect">
+            <a:avLst/>
+          </a:prstGeom>
+          <a:noFill/>
+        </p:spPr>
+        <p:txBody>
+          <a:bodyPr wrap="square" rtlCol="0">
+            <a:spAutoFit/>
+          </a:bodyPr>
+          <a:lstStyle/>
+          <a:p>
+            <a:r>
+              <a:rPr lang="en-US" dirty="0"/>
+              <a:t>7</a:t>
+            </a:r>
+          </a:p>
+        </p:txBody>
+      </p:sp>
+      <p:sp>
+        <p:nvSpPr>
+          <p:cNvPr id="26" name="TextBox 25">
+            <a:extLst>
+              <a:ext uri="{FF2B5EF4-FFF2-40B4-BE49-F238E27FC236}">
+                <a16:creationId xmlns:a16="http://schemas.microsoft.com/office/drawing/2014/main" id="{1FDAD74D-E195-C121-103A-368C039DDD7E}"/>
+              </a:ext>
+            </a:extLst>
+          </p:cNvPr>
+          <p:cNvSpPr txBox="1"/>
+          <p:nvPr/>
+        </p:nvSpPr>
+        <p:spPr>
+          <a:xfrm>
+            <a:off x="2999520" y="1760201"/>
+            <a:ext cx="2704257" cy="3558898"/>
+          </a:xfrm>
+          <a:prstGeom prst="rect">
+            <a:avLst/>
+          </a:prstGeom>
+          <a:noFill/>
+        </p:spPr>
+        <p:txBody>
+          <a:bodyPr wrap="square" rtlCol="0">
+            <a:noAutofit/>
+          </a:bodyPr>
+          <a:lstStyle/>
+          <a:p>
+            <a:pPr marL="342900" indent="-342900">
+              <a:buFont typeface="+mj-lt"/>
+              <a:buAutoNum type="arabicPeriod"/>
+            </a:pPr>
+            <a:r>
+              <a:rPr lang="en-US" dirty="0"/>
+              <a:t>(17)(34)(48)(56)</a:t>
+            </a:r>
+          </a:p>
+          <a:p>
+            <a:pPr marL="342900" indent="-342900">
+              <a:buFont typeface="+mj-lt"/>
+              <a:buAutoNum type="arabicPeriod"/>
+            </a:pPr>
+            <a:r>
+              <a:rPr lang="en-US" dirty="0"/>
+              <a:t>(12)(35)(46)(78)</a:t>
+            </a:r>
+          </a:p>
+          <a:p>
+            <a:pPr marL="342900" indent="-342900">
+              <a:buFont typeface="+mj-lt"/>
+              <a:buAutoNum type="arabicPeriod"/>
+            </a:pPr>
+            <a:r>
+              <a:rPr lang="en-US" dirty="0"/>
+              <a:t>(14)(28)(35)(67)</a:t>
+            </a:r>
+          </a:p>
+          <a:p>
+            <a:pPr marL="342900" indent="-342900">
+              <a:buFont typeface="+mj-lt"/>
+              <a:buAutoNum type="arabicPeriod"/>
+            </a:pPr>
+            <a:r>
+              <a:rPr lang="en-US" dirty="0"/>
+              <a:t>(15)(46)(28)(37)</a:t>
+            </a:r>
+          </a:p>
+          <a:p>
+            <a:pPr marL="342900" indent="-342900">
+              <a:buFont typeface="+mj-lt"/>
+              <a:buAutoNum type="arabicPeriod"/>
+            </a:pPr>
+            <a:r>
+              <a:rPr lang="en-US" dirty="0"/>
+              <a:t>(245)(386)</a:t>
+            </a:r>
+          </a:p>
+          <a:p>
+            <a:pPr marL="342900" indent="-342900">
+              <a:buFont typeface="+mj-lt"/>
+              <a:buAutoNum type="arabicPeriod"/>
+            </a:pPr>
+            <a:r>
+              <a:rPr lang="en-US" dirty="0"/>
+              <a:t>(254)(368)</a:t>
+            </a:r>
+          </a:p>
+          <a:p>
+            <a:pPr marL="342900" indent="-342900">
+              <a:buFont typeface="+mj-lt"/>
+              <a:buAutoNum type="arabicPeriod"/>
+            </a:pPr>
+            <a:r>
+              <a:rPr lang="en-US" dirty="0"/>
+              <a:t>(168)(427)</a:t>
+            </a:r>
+          </a:p>
+          <a:p>
+            <a:pPr marL="342900" indent="-342900">
+              <a:buFont typeface="+mj-lt"/>
+              <a:buAutoNum type="arabicPeriod"/>
+            </a:pPr>
+            <a:r>
+              <a:rPr lang="en-US" dirty="0"/>
+              <a:t>(186)(247)</a:t>
+            </a:r>
+          </a:p>
+          <a:p>
+            <a:pPr marL="342900" indent="-342900">
+              <a:buFont typeface="+mj-lt"/>
+              <a:buAutoNum type="arabicPeriod"/>
+            </a:pPr>
+            <a:r>
+              <a:rPr lang="en-US" dirty="0"/>
+              <a:t>(136)(475)</a:t>
+            </a:r>
+          </a:p>
+          <a:p>
+            <a:pPr marL="342900" indent="-342900">
+              <a:buFont typeface="+mj-lt"/>
+              <a:buAutoNum type="arabicPeriod"/>
+            </a:pPr>
+            <a:r>
+              <a:rPr lang="en-US" dirty="0"/>
+              <a:t>(163)(457)</a:t>
+            </a:r>
+          </a:p>
+          <a:p>
+            <a:pPr marL="342900" indent="-342900">
+              <a:buFont typeface="+mj-lt"/>
+              <a:buAutoNum type="arabicPeriod"/>
+            </a:pPr>
+            <a:r>
+              <a:rPr lang="en-US" dirty="0"/>
+              <a:t>(138)(275)</a:t>
+            </a:r>
+          </a:p>
+          <a:p>
+            <a:pPr marL="342900" indent="-342900">
+              <a:buFont typeface="+mj-lt"/>
+              <a:buAutoNum type="arabicPeriod"/>
+            </a:pPr>
+            <a:r>
+              <a:rPr lang="en-US" dirty="0"/>
+              <a:t>(183)(257)</a:t>
+            </a:r>
+          </a:p>
+        </p:txBody>
+      </p:sp>
+      <p:sp>
+        <p:nvSpPr>
+          <p:cNvPr id="28" name="TextBox 27">
+            <a:extLst>
+              <a:ext uri="{FF2B5EF4-FFF2-40B4-BE49-F238E27FC236}">
+                <a16:creationId xmlns:a16="http://schemas.microsoft.com/office/drawing/2014/main" id="{99AC30AD-681C-AD1F-64B0-2CC292BADB88}"/>
+              </a:ext>
+            </a:extLst>
+          </p:cNvPr>
+          <p:cNvSpPr txBox="1"/>
+          <p:nvPr/>
+        </p:nvSpPr>
+        <p:spPr>
+          <a:xfrm>
+            <a:off x="7024393" y="5334202"/>
+            <a:ext cx="4898433" cy="646331"/>
+          </a:xfrm>
+          <a:prstGeom prst="rect">
+            <a:avLst/>
+          </a:prstGeom>
+          <a:noFill/>
+        </p:spPr>
+        <p:txBody>
+          <a:bodyPr wrap="square" rtlCol="0">
+            <a:spAutoFit/>
+          </a:bodyPr>
+          <a:lstStyle/>
+          <a:p>
+            <a:r>
+              <a:rPr lang="en-US" dirty="0"/>
+              <a:t>P</a:t>
+            </a:r>
+            <a:r>
+              <a:rPr lang="en-US" baseline="-25000" dirty="0"/>
+              <a:t>G</a:t>
+            </a:r>
+            <a:r>
+              <a:rPr lang="en-US" dirty="0"/>
+              <a:t>(x</a:t>
+            </a:r>
+            <a:r>
+              <a:rPr lang="en-US" baseline="-25000" dirty="0"/>
+              <a:t>1</a:t>
+            </a:r>
+            <a:r>
+              <a:rPr lang="en-US" dirty="0"/>
+              <a:t>, x</a:t>
+            </a:r>
+            <a:r>
+              <a:rPr lang="en-US" baseline="-25000" dirty="0"/>
+              <a:t>2</a:t>
+            </a:r>
+            <a:r>
+              <a:rPr lang="en-US" dirty="0"/>
+              <a:t>, x</a:t>
+            </a:r>
+            <a:r>
+              <a:rPr lang="en-US" baseline="-25000" dirty="0"/>
+              <a:t>3</a:t>
+            </a:r>
+            <a:r>
+              <a:rPr lang="en-US" dirty="0"/>
+              <a:t>, x</a:t>
+            </a:r>
+            <a:r>
+              <a:rPr lang="en-US" baseline="-25000" dirty="0"/>
+              <a:t>4</a:t>
+            </a:r>
+            <a:r>
+              <a:rPr lang="en-US" dirty="0"/>
+              <a:t>) = 24</a:t>
+            </a:r>
+            <a:r>
+              <a:rPr lang="en-US" baseline="30000" dirty="0"/>
+              <a:t>-1</a:t>
+            </a:r>
+            <a:r>
+              <a:rPr lang="en-US" dirty="0"/>
+              <a:t>[x</a:t>
+            </a:r>
+            <a:r>
+              <a:rPr lang="en-US" baseline="-25000" dirty="0"/>
+              <a:t>1</a:t>
+            </a:r>
+            <a:r>
+              <a:rPr lang="en-US" baseline="30000" dirty="0"/>
+              <a:t>8</a:t>
+            </a:r>
+            <a:r>
+              <a:rPr lang="en-US" dirty="0"/>
+              <a:t>+9x</a:t>
+            </a:r>
+            <a:r>
+              <a:rPr lang="en-US" baseline="-25000" dirty="0"/>
+              <a:t>2</a:t>
+            </a:r>
+            <a:r>
+              <a:rPr lang="en-US" baseline="30000" dirty="0"/>
+              <a:t>4</a:t>
+            </a:r>
+            <a:r>
+              <a:rPr lang="en-US" dirty="0"/>
+              <a:t>+8x</a:t>
+            </a:r>
+            <a:r>
+              <a:rPr lang="en-US" baseline="-25000" dirty="0"/>
+              <a:t>3</a:t>
+            </a:r>
+            <a:r>
+              <a:rPr lang="en-US" baseline="30000" dirty="0"/>
+              <a:t>2</a:t>
+            </a:r>
+            <a:r>
+              <a:rPr lang="en-US" dirty="0"/>
+              <a:t>x</a:t>
+            </a:r>
+            <a:r>
+              <a:rPr lang="en-US" baseline="-25000" dirty="0"/>
+              <a:t>1</a:t>
+            </a:r>
+            <a:r>
+              <a:rPr lang="en-US" baseline="30000" dirty="0"/>
+              <a:t>2</a:t>
+            </a:r>
+            <a:r>
+              <a:rPr lang="en-US" dirty="0"/>
+              <a:t>+6x</a:t>
+            </a:r>
+            <a:r>
+              <a:rPr lang="en-US" baseline="-25000" dirty="0"/>
+              <a:t>4</a:t>
+            </a:r>
+            <a:r>
+              <a:rPr lang="en-US" baseline="30000" dirty="0"/>
+              <a:t>2</a:t>
+            </a:r>
+            <a:r>
+              <a:rPr lang="en-US" dirty="0"/>
+              <a:t>]</a:t>
+            </a:r>
+          </a:p>
+          <a:p>
+            <a:r>
+              <a:rPr lang="en-US" dirty="0"/>
+              <a:t>P</a:t>
+            </a:r>
+            <a:r>
+              <a:rPr lang="en-US" baseline="-25000" dirty="0"/>
+              <a:t>G</a:t>
+            </a:r>
+            <a:r>
+              <a:rPr lang="en-US" dirty="0"/>
+              <a:t>(</a:t>
+            </a:r>
+            <a:r>
+              <a:rPr lang="en-US"/>
+              <a:t>2,2,2,2)= 24</a:t>
+            </a:r>
+            <a:r>
+              <a:rPr lang="en-US" baseline="30000"/>
+              <a:t>-1</a:t>
+            </a:r>
+            <a:r>
+              <a:rPr lang="en-US"/>
+              <a:t>[256+144+128+24]=23</a:t>
+            </a:r>
+            <a:endParaRPr lang="en-US" dirty="0"/>
+          </a:p>
+        </p:txBody>
+      </p:sp>
+      <p:sp>
+        <p:nvSpPr>
+          <p:cNvPr id="16" name="TextBox 15">
+            <a:extLst>
+              <a:ext uri="{FF2B5EF4-FFF2-40B4-BE49-F238E27FC236}">
+                <a16:creationId xmlns:a16="http://schemas.microsoft.com/office/drawing/2014/main" id="{3D135759-DEBE-5004-7C3D-41F38ACE4D17}"/>
+              </a:ext>
+            </a:extLst>
+          </p:cNvPr>
+          <p:cNvSpPr txBox="1"/>
+          <p:nvPr/>
+        </p:nvSpPr>
+        <p:spPr>
+          <a:xfrm>
+            <a:off x="724813" y="5341469"/>
+            <a:ext cx="5993980" cy="646331"/>
+          </a:xfrm>
+          <a:prstGeom prst="rect">
+            <a:avLst/>
+          </a:prstGeom>
+          <a:noFill/>
+        </p:spPr>
+        <p:txBody>
+          <a:bodyPr wrap="square" rtlCol="0">
+            <a:spAutoFit/>
+          </a:bodyPr>
+          <a:lstStyle/>
+          <a:p>
+            <a:r>
+              <a:rPr lang="en-US" dirty="0"/>
+              <a:t>(1562)(3487)(13)(24)(57)(68)= (17)(23)(46)(58)</a:t>
+            </a:r>
+          </a:p>
+          <a:p>
+            <a:r>
+              <a:rPr lang="en-US" dirty="0"/>
+              <a:t>(1485)(2376) )(13)(24)(57)(68)= (12)(35)(46)(78)</a:t>
+            </a:r>
+          </a:p>
+        </p:txBody>
+      </p:sp>
+    </p:spTree>
+    <p:extLst>
+      <p:ext uri="{BB962C8B-B14F-4D97-AF65-F5344CB8AC3E}">
+        <p14:creationId xmlns:p14="http://schemas.microsoft.com/office/powerpoint/2010/main" val="2723970190"/>
+      </p:ext>
+    </p:extLst>
+  </p:cSld>
+  <p:clrMapOvr>
+    <a:masterClrMapping/>
+  </p:clrMapOvr>
+</p:sld>
+</file>
+
 <file path=ppt/slides/slide2.xml><?xml version="1.0" encoding="utf-8"?>
 <p:sld xmlns:a="http://schemas.openxmlformats.org/drawingml/2006/main" xmlns:r="http://schemas.openxmlformats.org/officeDocument/2006/relationships" xmlns:p="http://schemas.openxmlformats.org/presentationml/2006/main">
   <p:cSld>
@@ -14058,8 +15264,8 @@
           </a:p>
         </p:txBody>
       </p:sp>
-      <mc:AlternateContent xmlns:mc="http://schemas.openxmlformats.org/markup-compatibility/2006">
-        <mc:Choice xmlns:a14="http://schemas.microsoft.com/office/drawing/2010/main" Requires="a14">
+      <mc:AlternateContent xmlns:mc="http://schemas.openxmlformats.org/markup-compatibility/2006" xmlns:a14="http://schemas.microsoft.com/office/drawing/2010/main">
+        <mc:Choice Requires="a14">
           <p:sp>
             <p:nvSpPr>
               <p:cNvPr id="3" name="Content Placeholder 2">
@@ -14770,7 +15976,7 @@
             </p:txBody>
           </p:sp>
         </mc:Choice>
-        <mc:Fallback>
+        <mc:Fallback xmlns="">
           <p:sp>
             <p:nvSpPr>
               <p:cNvPr id="3" name="Content Placeholder 2">
